--- a/Presentazione Bathymetry.pptx
+++ b/Presentazione Bathymetry.pptx
@@ -3242,7 +3242,7 @@
           <a:p>
             <a:r>
               <a:rPr lang="it-IT" dirty="0" err="1"/>
-              <a:t>Batymetry</a:t>
+              <a:t>Bathymetry</a:t>
             </a:r>
             <a:endParaRPr lang="it-IT" dirty="0"/>
           </a:p>
